--- a/Bootstrap.pptx
+++ b/Bootstrap.pptx
@@ -5,7 +5,7 @@
     <p:sldMasterId id="2147483648" r:id="rId1"/>
   </p:sldMasterIdLst>
   <p:notesMasterIdLst>
-    <p:notesMasterId r:id="rId24"/>
+    <p:notesMasterId r:id="rId30"/>
   </p:notesMasterIdLst>
   <p:sldIdLst>
     <p:sldId id="256" r:id="rId2"/>
@@ -30,6 +30,12 @@
     <p:sldId id="275" r:id="rId21"/>
     <p:sldId id="276" r:id="rId22"/>
     <p:sldId id="277" r:id="rId23"/>
+    <p:sldId id="319" r:id="rId24"/>
+    <p:sldId id="320" r:id="rId25"/>
+    <p:sldId id="321" r:id="rId26"/>
+    <p:sldId id="322" r:id="rId27"/>
+    <p:sldId id="323" r:id="rId28"/>
+    <p:sldId id="324" r:id="rId29"/>
   </p:sldIdLst>
   <p:sldSz cx="9144000" cy="6858000" type="screen4x3"/>
   <p:notesSz cx="6858000" cy="9144000"/>
@@ -13900,6 +13906,905 @@
       </p:par>
     </p:tnLst>
   </p:timing>
+</p:sld>
+</file>
+
+<file path=ppt/slides/slide23.xml><?xml version="1.0" encoding="utf-8"?>
+<p:sld xmlns:a="http://schemas.openxmlformats.org/drawingml/2006/main" xmlns:r="http://schemas.openxmlformats.org/officeDocument/2006/relationships" xmlns:p="http://schemas.openxmlformats.org/presentationml/2006/main">
+  <p:cSld>
+    <p:spTree>
+      <p:nvGrpSpPr>
+        <p:cNvPr id="1" name=""/>
+        <p:cNvGrpSpPr/>
+        <p:nvPr/>
+      </p:nvGrpSpPr>
+      <p:grpSpPr>
+        <a:xfrm>
+          <a:off x="0" y="0"/>
+          <a:ext cx="0" cy="0"/>
+          <a:chOff x="0" y="0"/>
+          <a:chExt cx="0" cy="0"/>
+        </a:xfrm>
+      </p:grpSpPr>
+      <p:sp>
+        <p:nvSpPr>
+          <p:cNvPr id="2" name="Title 1"/>
+          <p:cNvSpPr>
+            <a:spLocks noGrp="1"/>
+          </p:cNvSpPr>
+          <p:nvPr>
+            <p:ph type="title"/>
+          </p:nvPr>
+        </p:nvSpPr>
+        <p:spPr/>
+        <p:txBody>
+          <a:bodyPr/>
+          <a:lstStyle/>
+          <a:p>
+            <a:r>
+              <a:rPr lang="en-US" dirty="0" smtClean="0"/>
+              <a:t>Cards</a:t>
+            </a:r>
+            <a:endParaRPr lang="en-IN" dirty="0"/>
+          </a:p>
+        </p:txBody>
+      </p:sp>
+      <p:sp>
+        <p:nvSpPr>
+          <p:cNvPr id="3" name="Content Placeholder 2"/>
+          <p:cNvSpPr>
+            <a:spLocks noGrp="1"/>
+          </p:cNvSpPr>
+          <p:nvPr>
+            <p:ph idx="1"/>
+          </p:nvPr>
+        </p:nvSpPr>
+        <p:spPr>
+          <a:xfrm>
+            <a:off x="395536" y="1412776"/>
+            <a:ext cx="8229600" cy="4929411"/>
+          </a:xfrm>
+        </p:spPr>
+        <p:txBody>
+          <a:bodyPr/>
+          <a:lstStyle/>
+          <a:p>
+            <a:r>
+              <a:rPr lang="en-US" dirty="0"/>
+              <a:t>Cards add a flexible and extensible container for displaying content in a variety of ways</a:t>
+            </a:r>
+            <a:r>
+              <a:rPr lang="en-US" dirty="0" smtClean="0"/>
+              <a:t>.</a:t>
+            </a:r>
+          </a:p>
+          <a:p>
+            <a:r>
+              <a:rPr lang="en-US" dirty="0"/>
+              <a:t>A card is a container with light styling that you can place virtually any content into. </a:t>
+            </a:r>
+            <a:endParaRPr lang="en-US" dirty="0" smtClean="0"/>
+          </a:p>
+          <a:p>
+            <a:r>
+              <a:rPr lang="en-US" dirty="0"/>
+              <a:t>It includes options for headers and footers, a wide variety of content, contextual background colors, </a:t>
+            </a:r>
+            <a:r>
+              <a:rPr lang="en-US" dirty="0" smtClean="0"/>
+              <a:t>alignment</a:t>
+            </a:r>
+            <a:r>
+              <a:rPr lang="en-US" dirty="0"/>
+              <a:t>, padding, colors, headings, and more.</a:t>
+            </a:r>
+            <a:r>
+              <a:rPr lang="en-US" dirty="0" smtClean="0"/>
+              <a:t> </a:t>
+            </a:r>
+            <a:r>
+              <a:rPr lang="en-US" dirty="0"/>
+              <a:t>powerful display options.</a:t>
+            </a:r>
+            <a:endParaRPr lang="en-IN" dirty="0"/>
+          </a:p>
+        </p:txBody>
+      </p:sp>
+    </p:spTree>
+    <p:extLst>
+      <p:ext uri="{BB962C8B-B14F-4D97-AF65-F5344CB8AC3E}">
+        <p14:creationId xmlns:p14="http://schemas.microsoft.com/office/powerpoint/2010/main" val="216532140"/>
+      </p:ext>
+    </p:extLst>
+  </p:cSld>
+  <p:clrMapOvr>
+    <a:masterClrMapping/>
+  </p:clrMapOvr>
+</p:sld>
+</file>
+
+<file path=ppt/slides/slide24.xml><?xml version="1.0" encoding="utf-8"?>
+<p:sld xmlns:a="http://schemas.openxmlformats.org/drawingml/2006/main" xmlns:r="http://schemas.openxmlformats.org/officeDocument/2006/relationships" xmlns:p="http://schemas.openxmlformats.org/presentationml/2006/main">
+  <p:cSld>
+    <p:spTree>
+      <p:nvGrpSpPr>
+        <p:cNvPr id="1" name=""/>
+        <p:cNvGrpSpPr/>
+        <p:nvPr/>
+      </p:nvGrpSpPr>
+      <p:grpSpPr>
+        <a:xfrm>
+          <a:off x="0" y="0"/>
+          <a:ext cx="0" cy="0"/>
+          <a:chOff x="0" y="0"/>
+          <a:chExt cx="0" cy="0"/>
+        </a:xfrm>
+      </p:grpSpPr>
+      <p:sp>
+        <p:nvSpPr>
+          <p:cNvPr id="2" name="Title 1"/>
+          <p:cNvSpPr>
+            <a:spLocks noGrp="1"/>
+          </p:cNvSpPr>
+          <p:nvPr>
+            <p:ph type="title"/>
+          </p:nvPr>
+        </p:nvSpPr>
+        <p:spPr/>
+        <p:txBody>
+          <a:bodyPr>
+            <a:normAutofit/>
+          </a:bodyPr>
+          <a:lstStyle/>
+          <a:p>
+            <a:r>
+              <a:rPr lang="en-IN" dirty="0"/>
+              <a:t>Basic </a:t>
+            </a:r>
+            <a:r>
+              <a:rPr lang="en-IN" dirty="0" smtClean="0"/>
+              <a:t>Card</a:t>
+            </a:r>
+            <a:endParaRPr lang="en-IN" dirty="0"/>
+          </a:p>
+        </p:txBody>
+      </p:sp>
+      <p:sp>
+        <p:nvSpPr>
+          <p:cNvPr id="3" name="Content Placeholder 2"/>
+          <p:cNvSpPr>
+            <a:spLocks noGrp="1"/>
+          </p:cNvSpPr>
+          <p:nvPr>
+            <p:ph idx="1"/>
+          </p:nvPr>
+        </p:nvSpPr>
+        <p:spPr/>
+        <p:txBody>
+          <a:bodyPr>
+            <a:normAutofit fontScale="92500" lnSpcReduction="10000"/>
+          </a:bodyPr>
+          <a:lstStyle/>
+          <a:p>
+            <a:r>
+              <a:rPr lang="en-US" dirty="0"/>
+              <a:t>To create a basic card, apply the .card and .card-body classes to an element to create the outer card container.</a:t>
+            </a:r>
+          </a:p>
+          <a:p>
+            <a:r>
+              <a:rPr lang="en-US" dirty="0"/>
+              <a:t>Add .card-title to any </a:t>
+            </a:r>
+            <a:r>
+              <a:rPr lang="en-US" dirty="0" smtClean="0"/>
+              <a:t>&lt;h*&gt;heading elements, .</a:t>
+            </a:r>
+            <a:r>
+              <a:rPr lang="en-US" dirty="0"/>
+              <a:t>card-text to </a:t>
+            </a:r>
+            <a:r>
+              <a:rPr lang="en-US" dirty="0" smtClean="0"/>
+              <a:t>text elements and .card-link</a:t>
+            </a:r>
+            <a:r>
+              <a:rPr lang="en-US" dirty="0"/>
+              <a:t> to an &lt;a&gt; tag.</a:t>
+            </a:r>
+          </a:p>
+          <a:p>
+            <a:r>
+              <a:rPr lang="en-US" dirty="0"/>
+              <a:t>Subtitles are used by adding a .card-subtitle to a &lt;h*&gt; tag. If the .card-title and the .card-subtitle items are placed in a .card-body item, the card title and subtitle are aligned nicely.</a:t>
+            </a:r>
+          </a:p>
+          <a:p>
+            <a:endParaRPr lang="en-IN" dirty="0"/>
+          </a:p>
+        </p:txBody>
+      </p:sp>
+    </p:spTree>
+    <p:extLst>
+      <p:ext uri="{BB962C8B-B14F-4D97-AF65-F5344CB8AC3E}">
+        <p14:creationId xmlns:p14="http://schemas.microsoft.com/office/powerpoint/2010/main" val="1943500642"/>
+      </p:ext>
+    </p:extLst>
+  </p:cSld>
+  <p:clrMapOvr>
+    <a:masterClrMapping/>
+  </p:clrMapOvr>
+</p:sld>
+</file>
+
+<file path=ppt/slides/slide25.xml><?xml version="1.0" encoding="utf-8"?>
+<p:sld xmlns:a="http://schemas.openxmlformats.org/drawingml/2006/main" xmlns:r="http://schemas.openxmlformats.org/officeDocument/2006/relationships" xmlns:p="http://schemas.openxmlformats.org/presentationml/2006/main">
+  <p:cSld>
+    <p:spTree>
+      <p:nvGrpSpPr>
+        <p:cNvPr id="1" name=""/>
+        <p:cNvGrpSpPr/>
+        <p:nvPr/>
+      </p:nvGrpSpPr>
+      <p:grpSpPr>
+        <a:xfrm>
+          <a:off x="0" y="0"/>
+          <a:ext cx="0" cy="0"/>
+          <a:chOff x="0" y="0"/>
+          <a:chExt cx="0" cy="0"/>
+        </a:xfrm>
+      </p:grpSpPr>
+      <p:sp>
+        <p:nvSpPr>
+          <p:cNvPr id="2" name="Title 1"/>
+          <p:cNvSpPr>
+            <a:spLocks noGrp="1"/>
+          </p:cNvSpPr>
+          <p:nvPr>
+            <p:ph type="title"/>
+          </p:nvPr>
+        </p:nvSpPr>
+        <p:spPr/>
+        <p:txBody>
+          <a:bodyPr/>
+          <a:lstStyle/>
+          <a:p>
+            <a:r>
+              <a:rPr lang="en-IN" dirty="0" smtClean="0"/>
+              <a:t>Forms</a:t>
+            </a:r>
+            <a:endParaRPr lang="en-IN" dirty="0"/>
+          </a:p>
+        </p:txBody>
+      </p:sp>
+      <p:sp>
+        <p:nvSpPr>
+          <p:cNvPr id="3" name="Content Placeholder 2"/>
+          <p:cNvSpPr>
+            <a:spLocks noGrp="1"/>
+          </p:cNvSpPr>
+          <p:nvPr>
+            <p:ph idx="1"/>
+          </p:nvPr>
+        </p:nvSpPr>
+        <p:spPr/>
+        <p:txBody>
+          <a:bodyPr>
+            <a:normAutofit fontScale="85000" lnSpcReduction="10000"/>
+          </a:bodyPr>
+          <a:lstStyle/>
+          <a:p>
+            <a:r>
+              <a:rPr lang="en-US" dirty="0"/>
+              <a:t>Bootstrap 4 provides a default style that is applied across most form controls. It also provides classes for specific purposes</a:t>
+            </a:r>
+            <a:r>
+              <a:rPr lang="en-US" dirty="0" smtClean="0"/>
+              <a:t>.</a:t>
+            </a:r>
+          </a:p>
+          <a:p>
+            <a:r>
+              <a:rPr lang="en-US" dirty="0"/>
+              <a:t>Basic Form</a:t>
+            </a:r>
+          </a:p>
+          <a:p>
+            <a:r>
+              <a:rPr lang="en-US" dirty="0"/>
+              <a:t>Use Bootstrap's .form-control class against textual </a:t>
+            </a:r>
+            <a:r>
+              <a:rPr lang="en-US" b="1" dirty="0"/>
+              <a:t>&lt;input&gt;, </a:t>
+            </a:r>
+            <a:r>
+              <a:rPr lang="en-US" b="1" dirty="0" smtClean="0"/>
+              <a:t>&lt;</a:t>
+            </a:r>
+            <a:r>
+              <a:rPr lang="en-US" b="1" dirty="0" err="1" smtClean="0"/>
+              <a:t>textarea</a:t>
+            </a:r>
+            <a:r>
+              <a:rPr lang="en-US" b="1" dirty="0" smtClean="0"/>
+              <a:t>&gt;, </a:t>
+            </a:r>
+            <a:r>
+              <a:rPr lang="en-US" dirty="0"/>
+              <a:t>and </a:t>
+            </a:r>
+            <a:r>
+              <a:rPr lang="en-US" b="1" dirty="0"/>
+              <a:t>&lt;select&gt;</a:t>
+            </a:r>
+            <a:r>
+              <a:rPr lang="en-US" dirty="0"/>
+              <a:t> elements to apply </a:t>
+            </a:r>
+            <a:r>
+              <a:rPr lang="en-US" b="1" dirty="0"/>
+              <a:t>width: 100%</a:t>
+            </a:r>
+            <a:r>
+              <a:rPr lang="en-US" dirty="0"/>
+              <a:t> by default.</a:t>
+            </a:r>
+          </a:p>
+          <a:p>
+            <a:r>
+              <a:rPr lang="en-US" dirty="0"/>
+              <a:t>Wrap labels and controls inside a </a:t>
+            </a:r>
+            <a:r>
+              <a:rPr lang="en-US" b="1" dirty="0"/>
+              <a:t>&lt;</a:t>
+            </a:r>
+            <a:r>
+              <a:rPr lang="en-US" b="1" dirty="0" err="1"/>
+              <a:t>fieldset</a:t>
+            </a:r>
+            <a:r>
+              <a:rPr lang="en-US" b="1" dirty="0"/>
+              <a:t>&gt;</a:t>
+            </a:r>
+            <a:r>
+              <a:rPr lang="en-US" dirty="0"/>
+              <a:t> with the Bootstrap .form-group class applied for optimum spacing. Alternatively, you can use a </a:t>
+            </a:r>
+            <a:r>
+              <a:rPr lang="en-US" b="1" dirty="0"/>
+              <a:t>&lt;div&gt;</a:t>
+            </a:r>
+            <a:r>
+              <a:rPr lang="en-US" dirty="0"/>
+              <a:t> or other element</a:t>
+            </a:r>
+            <a:r>
+              <a:rPr lang="en-US" dirty="0" smtClean="0"/>
+              <a:t>.</a:t>
+            </a:r>
+          </a:p>
+          <a:p>
+            <a:pPr marL="0" indent="0">
+              <a:buNone/>
+            </a:pPr>
+            <a:endParaRPr lang="en-US" dirty="0"/>
+          </a:p>
+          <a:p>
+            <a:endParaRPr lang="en-IN" dirty="0"/>
+          </a:p>
+        </p:txBody>
+      </p:sp>
+    </p:spTree>
+    <p:extLst>
+      <p:ext uri="{BB962C8B-B14F-4D97-AF65-F5344CB8AC3E}">
+        <p14:creationId xmlns:p14="http://schemas.microsoft.com/office/powerpoint/2010/main" val="1943500642"/>
+      </p:ext>
+    </p:extLst>
+  </p:cSld>
+  <p:clrMapOvr>
+    <a:masterClrMapping/>
+  </p:clrMapOvr>
+</p:sld>
+</file>
+
+<file path=ppt/slides/slide26.xml><?xml version="1.0" encoding="utf-8"?>
+<p:sld xmlns:a="http://schemas.openxmlformats.org/drawingml/2006/main" xmlns:r="http://schemas.openxmlformats.org/officeDocument/2006/relationships" xmlns:p="http://schemas.openxmlformats.org/presentationml/2006/main">
+  <p:cSld>
+    <p:spTree>
+      <p:nvGrpSpPr>
+        <p:cNvPr id="1" name=""/>
+        <p:cNvGrpSpPr/>
+        <p:nvPr/>
+      </p:nvGrpSpPr>
+      <p:grpSpPr>
+        <a:xfrm>
+          <a:off x="0" y="0"/>
+          <a:ext cx="0" cy="0"/>
+          <a:chOff x="0" y="0"/>
+          <a:chExt cx="0" cy="0"/>
+        </a:xfrm>
+      </p:grpSpPr>
+      <p:sp>
+        <p:nvSpPr>
+          <p:cNvPr id="2" name="Title 1"/>
+          <p:cNvSpPr>
+            <a:spLocks noGrp="1"/>
+          </p:cNvSpPr>
+          <p:nvPr>
+            <p:ph type="title"/>
+          </p:nvPr>
+        </p:nvSpPr>
+        <p:spPr/>
+        <p:txBody>
+          <a:bodyPr/>
+          <a:lstStyle/>
+          <a:p>
+            <a:r>
+              <a:rPr lang="en-IN" dirty="0" smtClean="0"/>
+              <a:t>Form layout &amp; group</a:t>
+            </a:r>
+            <a:endParaRPr lang="en-IN" dirty="0"/>
+          </a:p>
+        </p:txBody>
+      </p:sp>
+      <p:sp>
+        <p:nvSpPr>
+          <p:cNvPr id="3" name="Content Placeholder 2"/>
+          <p:cNvSpPr>
+            <a:spLocks noGrp="1"/>
+          </p:cNvSpPr>
+          <p:nvPr>
+            <p:ph idx="1"/>
+          </p:nvPr>
+        </p:nvSpPr>
+        <p:spPr/>
+        <p:txBody>
+          <a:bodyPr/>
+          <a:lstStyle/>
+          <a:p>
+            <a:r>
+              <a:rPr lang="en-US" dirty="0"/>
+              <a:t>Bootstrap provides two types of form layouts:</a:t>
+            </a:r>
+          </a:p>
+          <a:p>
+            <a:pPr lvl="1">
+              <a:buFont typeface="Wingdings" pitchFamily="2" charset="2"/>
+              <a:buChar char="q"/>
+            </a:pPr>
+            <a:r>
+              <a:rPr lang="en-US" dirty="0"/>
+              <a:t>Stacked (full-width) form</a:t>
+            </a:r>
+          </a:p>
+          <a:p>
+            <a:pPr lvl="1">
+              <a:buFont typeface="Wingdings" pitchFamily="2" charset="2"/>
+              <a:buChar char="q"/>
+            </a:pPr>
+            <a:r>
+              <a:rPr lang="en-US" dirty="0"/>
+              <a:t>Inline form</a:t>
+            </a:r>
+          </a:p>
+          <a:p>
+            <a:r>
+              <a:rPr lang="en-US" dirty="0" smtClean="0"/>
+              <a:t>.form-group</a:t>
+            </a:r>
+          </a:p>
+          <a:p>
+            <a:pPr lvl="1">
+              <a:buFont typeface="Wingdings" pitchFamily="2" charset="2"/>
+              <a:buChar char="q"/>
+            </a:pPr>
+            <a:r>
+              <a:rPr lang="en-US" dirty="0" smtClean="0"/>
+              <a:t>Add </a:t>
+            </a:r>
+            <a:r>
+              <a:rPr lang="en-US" dirty="0"/>
+              <a:t>a wrapper element with </a:t>
+            </a:r>
+            <a:r>
+              <a:rPr lang="en-US" dirty="0"/>
+              <a:t>.form-group</a:t>
+            </a:r>
+            <a:r>
+              <a:rPr lang="en-US" dirty="0"/>
+              <a:t>, around each form control, to ensure proper </a:t>
+            </a:r>
+            <a:r>
+              <a:rPr lang="en-US" dirty="0" smtClean="0"/>
+              <a:t>margins.</a:t>
+            </a:r>
+            <a:endParaRPr lang="en-IN" dirty="0"/>
+          </a:p>
+        </p:txBody>
+      </p:sp>
+    </p:spTree>
+    <p:extLst>
+      <p:ext uri="{BB962C8B-B14F-4D97-AF65-F5344CB8AC3E}">
+        <p14:creationId xmlns:p14="http://schemas.microsoft.com/office/powerpoint/2010/main" val="1943500642"/>
+      </p:ext>
+    </p:extLst>
+  </p:cSld>
+  <p:clrMapOvr>
+    <a:masterClrMapping/>
+  </p:clrMapOvr>
+</p:sld>
+</file>
+
+<file path=ppt/slides/slide27.xml><?xml version="1.0" encoding="utf-8"?>
+<p:sld xmlns:a="http://schemas.openxmlformats.org/drawingml/2006/main" xmlns:r="http://schemas.openxmlformats.org/officeDocument/2006/relationships" xmlns:p="http://schemas.openxmlformats.org/presentationml/2006/main">
+  <p:cSld>
+    <p:spTree>
+      <p:nvGrpSpPr>
+        <p:cNvPr id="1" name=""/>
+        <p:cNvGrpSpPr/>
+        <p:nvPr/>
+      </p:nvGrpSpPr>
+      <p:grpSpPr>
+        <a:xfrm>
+          <a:off x="0" y="0"/>
+          <a:ext cx="0" cy="0"/>
+          <a:chOff x="0" y="0"/>
+          <a:chExt cx="0" cy="0"/>
+        </a:xfrm>
+      </p:grpSpPr>
+      <p:sp>
+        <p:nvSpPr>
+          <p:cNvPr id="2" name="Title 1"/>
+          <p:cNvSpPr>
+            <a:spLocks noGrp="1"/>
+          </p:cNvSpPr>
+          <p:nvPr>
+            <p:ph type="title"/>
+          </p:nvPr>
+        </p:nvSpPr>
+        <p:spPr/>
+        <p:txBody>
+          <a:bodyPr>
+            <a:normAutofit fontScale="90000"/>
+          </a:bodyPr>
+          <a:lstStyle/>
+          <a:p>
+            <a:r>
+              <a:rPr lang="en-IN" dirty="0"/>
+              <a:t>Form </a:t>
+            </a:r>
+            <a:r>
+              <a:rPr lang="en-IN" dirty="0" smtClean="0"/>
+              <a:t>Row , Grid &amp; Control </a:t>
+            </a:r>
+            <a:r>
+              <a:rPr lang="en-IN" dirty="0"/>
+              <a:t>Size</a:t>
+            </a:r>
+            <a:br>
+              <a:rPr lang="en-IN" dirty="0"/>
+            </a:br>
+            <a:endParaRPr lang="en-IN" dirty="0"/>
+          </a:p>
+        </p:txBody>
+      </p:sp>
+      <p:sp>
+        <p:nvSpPr>
+          <p:cNvPr id="3" name="Content Placeholder 2"/>
+          <p:cNvSpPr>
+            <a:spLocks noGrp="1"/>
+          </p:cNvSpPr>
+          <p:nvPr>
+            <p:ph idx="1"/>
+          </p:nvPr>
+        </p:nvSpPr>
+        <p:spPr>
+          <a:xfrm>
+            <a:off x="457200" y="1124744"/>
+            <a:ext cx="8229600" cy="5001419"/>
+          </a:xfrm>
+        </p:spPr>
+        <p:txBody>
+          <a:bodyPr>
+            <a:normAutofit fontScale="85000" lnSpcReduction="20000"/>
+          </a:bodyPr>
+          <a:lstStyle/>
+          <a:p>
+            <a:r>
+              <a:rPr lang="en-US" dirty="0"/>
+              <a:t>You can also use columns (</a:t>
+            </a:r>
+            <a:r>
+              <a:rPr lang="en-US" dirty="0"/>
+              <a:t>.col</a:t>
+            </a:r>
+            <a:r>
+              <a:rPr lang="en-US" dirty="0"/>
+              <a:t>) to control the width and alignment of form inputs without using spacing utilities. Just remember to put them inside a </a:t>
+            </a:r>
+            <a:r>
+              <a:rPr lang="en-US" dirty="0"/>
+              <a:t>.row</a:t>
+            </a:r>
+            <a:r>
+              <a:rPr lang="en-US" dirty="0"/>
+              <a:t> container</a:t>
+            </a:r>
+            <a:r>
+              <a:rPr lang="en-US" dirty="0" smtClean="0"/>
+              <a:t>.</a:t>
+            </a:r>
+          </a:p>
+          <a:p>
+            <a:r>
+              <a:rPr lang="en-US" dirty="0"/>
+              <a:t>You can replace </a:t>
+            </a:r>
+            <a:r>
+              <a:rPr lang="en-US" dirty="0"/>
+              <a:t>.row</a:t>
+            </a:r>
+            <a:r>
+              <a:rPr lang="en-US" dirty="0"/>
+              <a:t> with </a:t>
+            </a:r>
+            <a:r>
+              <a:rPr lang="en-US" dirty="0"/>
+              <a:t>.form-row</a:t>
+            </a:r>
+            <a:r>
+              <a:rPr lang="en-US" dirty="0"/>
+              <a:t> for a more compact layout</a:t>
+            </a:r>
+            <a:r>
+              <a:rPr lang="en-US" dirty="0" smtClean="0"/>
+              <a:t>.</a:t>
+            </a:r>
+          </a:p>
+          <a:p>
+            <a:r>
+              <a:rPr lang="en-US" dirty="0"/>
+              <a:t>.form-control-</a:t>
+            </a:r>
+            <a:r>
+              <a:rPr lang="en-US" dirty="0" err="1"/>
+              <a:t>lg</a:t>
+            </a:r>
+            <a:r>
+              <a:rPr lang="en-US" dirty="0"/>
+              <a:t> and </a:t>
+            </a:r>
+            <a:r>
+              <a:rPr lang="en-US" dirty="0"/>
+              <a:t>.form-control-</a:t>
+            </a:r>
+            <a:r>
+              <a:rPr lang="en-US" dirty="0" err="1"/>
+              <a:t>sm</a:t>
+            </a:r>
+            <a:r>
+              <a:rPr lang="en-US" dirty="0"/>
+              <a:t> to increase or decrease the size of an input control</a:t>
+            </a:r>
+            <a:r>
+              <a:rPr lang="en-US" dirty="0" smtClean="0"/>
+              <a:t>.</a:t>
+            </a:r>
+          </a:p>
+          <a:p>
+            <a:r>
+              <a:rPr lang="en-US" dirty="0"/>
+              <a:t>You can add </a:t>
+            </a:r>
+            <a:r>
+              <a:rPr lang="en-US" dirty="0"/>
+              <a:t>.col-form-label-</a:t>
+            </a:r>
+            <a:r>
+              <a:rPr lang="en-US" dirty="0" err="1"/>
+              <a:t>sm</a:t>
+            </a:r>
+            <a:r>
+              <a:rPr lang="en-US" dirty="0"/>
+              <a:t> and </a:t>
+            </a:r>
+            <a:r>
+              <a:rPr lang="en-US" dirty="0"/>
+              <a:t>.col-form-label-</a:t>
+            </a:r>
+            <a:r>
+              <a:rPr lang="en-US" dirty="0" err="1"/>
+              <a:t>lg</a:t>
+            </a:r>
+            <a:r>
+              <a:rPr lang="en-US" dirty="0"/>
+              <a:t> to your labels so that the label size matches the form control</a:t>
+            </a:r>
+            <a:r>
+              <a:rPr lang="en-US" dirty="0" smtClean="0"/>
+              <a:t>.</a:t>
+            </a:r>
+          </a:p>
+          <a:p>
+            <a:r>
+              <a:rPr lang="en-US" dirty="0"/>
+              <a:t> </a:t>
+            </a:r>
+            <a:r>
+              <a:rPr lang="en-US" dirty="0" smtClean="0"/>
+              <a:t>Use </a:t>
+            </a:r>
+            <a:r>
+              <a:rPr lang="en-US" dirty="0"/>
+              <a:t>Bootstrap's </a:t>
+            </a:r>
+            <a:r>
+              <a:rPr lang="en-US" b="1" dirty="0"/>
+              <a:t>grid system</a:t>
+            </a:r>
+            <a:r>
+              <a:rPr lang="en-US" dirty="0"/>
+              <a:t> to constrain input controls to a desired width.</a:t>
+            </a:r>
+            <a:endParaRPr lang="en-IN" dirty="0"/>
+          </a:p>
+        </p:txBody>
+      </p:sp>
+    </p:spTree>
+    <p:extLst>
+      <p:ext uri="{BB962C8B-B14F-4D97-AF65-F5344CB8AC3E}">
+        <p14:creationId xmlns:p14="http://schemas.microsoft.com/office/powerpoint/2010/main" val="1943500642"/>
+      </p:ext>
+    </p:extLst>
+  </p:cSld>
+  <p:clrMapOvr>
+    <a:masterClrMapping/>
+  </p:clrMapOvr>
+</p:sld>
+</file>
+
+<file path=ppt/slides/slide28.xml><?xml version="1.0" encoding="utf-8"?>
+<p:sld xmlns:a="http://schemas.openxmlformats.org/drawingml/2006/main" xmlns:r="http://schemas.openxmlformats.org/officeDocument/2006/relationships" xmlns:p="http://schemas.openxmlformats.org/presentationml/2006/main">
+  <p:cSld>
+    <p:spTree>
+      <p:nvGrpSpPr>
+        <p:cNvPr id="1" name=""/>
+        <p:cNvGrpSpPr/>
+        <p:nvPr/>
+      </p:nvGrpSpPr>
+      <p:grpSpPr>
+        <a:xfrm>
+          <a:off x="0" y="0"/>
+          <a:ext cx="0" cy="0"/>
+          <a:chOff x="0" y="0"/>
+          <a:chExt cx="0" cy="0"/>
+        </a:xfrm>
+      </p:grpSpPr>
+      <p:sp>
+        <p:nvSpPr>
+          <p:cNvPr id="2" name="Title 1"/>
+          <p:cNvSpPr>
+            <a:spLocks noGrp="1"/>
+          </p:cNvSpPr>
+          <p:nvPr>
+            <p:ph type="title"/>
+          </p:nvPr>
+        </p:nvSpPr>
+        <p:spPr/>
+        <p:txBody>
+          <a:bodyPr/>
+          <a:lstStyle/>
+          <a:p>
+            <a:r>
+              <a:rPr lang="en-IN" dirty="0" smtClean="0"/>
+              <a:t>Form validation</a:t>
+            </a:r>
+            <a:endParaRPr lang="en-IN" dirty="0"/>
+          </a:p>
+        </p:txBody>
+      </p:sp>
+      <p:sp>
+        <p:nvSpPr>
+          <p:cNvPr id="3" name="Content Placeholder 2"/>
+          <p:cNvSpPr>
+            <a:spLocks noGrp="1"/>
+          </p:cNvSpPr>
+          <p:nvPr>
+            <p:ph idx="1"/>
+          </p:nvPr>
+        </p:nvSpPr>
+        <p:spPr/>
+        <p:txBody>
+          <a:bodyPr>
+            <a:normAutofit fontScale="85000" lnSpcReduction="10000"/>
+          </a:bodyPr>
+          <a:lstStyle/>
+          <a:p>
+            <a:r>
+              <a:rPr lang="en-US" dirty="0"/>
+              <a:t>use different validation classes to provide valuable feedback to users. Add either </a:t>
+            </a:r>
+            <a:r>
+              <a:rPr lang="en-US" dirty="0"/>
+              <a:t>.was-validated</a:t>
+            </a:r>
+            <a:r>
+              <a:rPr lang="en-US" dirty="0"/>
+              <a:t> or </a:t>
+            </a:r>
+            <a:r>
+              <a:rPr lang="en-US" dirty="0"/>
+              <a:t>.needs-validation</a:t>
+            </a:r>
+            <a:r>
+              <a:rPr lang="en-US" dirty="0"/>
+              <a:t> to the </a:t>
+            </a:r>
+            <a:r>
+              <a:rPr lang="en-US" dirty="0"/>
+              <a:t>&lt;form&gt;</a:t>
+            </a:r>
+            <a:r>
+              <a:rPr lang="en-US" dirty="0"/>
+              <a:t> element, depending on whether you want to provide validation feedback before or after submitting the form</a:t>
+            </a:r>
+            <a:r>
+              <a:rPr lang="en-US" dirty="0" smtClean="0"/>
+              <a:t>.</a:t>
+            </a:r>
+          </a:p>
+          <a:p>
+            <a:r>
+              <a:rPr lang="en-US" dirty="0" smtClean="0"/>
+              <a:t> </a:t>
+            </a:r>
+            <a:r>
+              <a:rPr lang="en-US" dirty="0"/>
+              <a:t>The input fields will have a green (valid) or red (invalid) border to indicate what's missing in the form. </a:t>
+            </a:r>
+            <a:endParaRPr lang="en-US" dirty="0" smtClean="0"/>
+          </a:p>
+          <a:p>
+            <a:r>
+              <a:rPr lang="en-US" dirty="0" smtClean="0"/>
+              <a:t>You </a:t>
+            </a:r>
+            <a:r>
+              <a:rPr lang="en-US" dirty="0"/>
+              <a:t>can also add a </a:t>
+            </a:r>
+            <a:r>
+              <a:rPr lang="en-US" dirty="0"/>
+              <a:t>.valid-feedback</a:t>
+            </a:r>
+            <a:r>
+              <a:rPr lang="en-US" dirty="0"/>
+              <a:t> or </a:t>
+            </a:r>
+            <a:r>
+              <a:rPr lang="en-US" dirty="0"/>
+              <a:t>.invalid-feedback</a:t>
+            </a:r>
+            <a:r>
+              <a:rPr lang="en-US" dirty="0"/>
+              <a:t> message to tell the user explicitly what's missing, or needs to be done before submitting the form.</a:t>
+            </a:r>
+            <a:endParaRPr lang="en-IN" dirty="0"/>
+          </a:p>
+        </p:txBody>
+      </p:sp>
+    </p:spTree>
+    <p:extLst>
+      <p:ext uri="{BB962C8B-B14F-4D97-AF65-F5344CB8AC3E}">
+        <p14:creationId xmlns:p14="http://schemas.microsoft.com/office/powerpoint/2010/main" val="1943500642"/>
+      </p:ext>
+    </p:extLst>
+  </p:cSld>
+  <p:clrMapOvr>
+    <a:masterClrMapping/>
+  </p:clrMapOvr>
 </p:sld>
 </file>
 
